--- a/ppt/DLV.pptx
+++ b/ppt/DLV.pptx
@@ -18,8 +18,10 @@
     <p:sldId id="275" r:id="rId12"/>
     <p:sldId id="272" r:id="rId13"/>
     <p:sldId id="273" r:id="rId14"/>
-    <p:sldId id="266" r:id="rId15"/>
-    <p:sldId id="274" r:id="rId16"/>
+    <p:sldId id="277" r:id="rId15"/>
+    <p:sldId id="276" r:id="rId16"/>
+    <p:sldId id="266" r:id="rId17"/>
+    <p:sldId id="274" r:id="rId18"/>
   </p:sldIdLst>
   <p:sldSz cx="9144000" cy="5143500" type="screen16x9"/>
   <p:notesSz cx="6858000" cy="9144000"/>
@@ -563,7 +565,7 @@
                 <a:ea typeface="Lingoes Unicode" pitchFamily="34" charset="-122"/>
               </a:rPr>
               <a:pPr algn="ctr"/>
-              <a:t>3/24/2021</a:t>
+              <a:t>3/27/2021</a:t>
             </a:fld>
             <a:endParaRPr kumimoji="0" lang="en-US" altLang="zh-CN" sz="1350" dirty="0">
               <a:solidFill>
@@ -802,7 +804,7 @@
           <a:p>
             <a:fld id="{3CA22FB3-BB94-4B4C-B631-92D540F38D12}" type="datetimeFigureOut">
               <a:rPr lang="zh-CN" altLang="en-US" smtClean="0"/>
-              <a:t>2021/3/24</a:t>
+              <a:t>2021/3/27</a:t>
             </a:fld>
             <a:endParaRPr lang="zh-CN" altLang="en-US"/>
           </a:p>
@@ -1012,7 +1014,7 @@
             <a:fld id="{48A87A34-81AB-432B-8DAE-1953F412C126}" type="datetimeFigureOut">
               <a:rPr lang="en-US" smtClean="0"/>
               <a:pPr/>
-              <a:t>3/24/2021</a:t>
+              <a:t>3/27/2021</a:t>
             </a:fld>
             <a:endParaRPr lang="en-US" dirty="0"/>
           </a:p>
@@ -1334,7 +1336,7 @@
             <a:fld id="{48A87A34-81AB-432B-8DAE-1953F412C126}" type="datetimeFigureOut">
               <a:rPr lang="en-US" smtClean="0"/>
               <a:pPr/>
-              <a:t>3/24/2021</a:t>
+              <a:t>3/27/2021</a:t>
             </a:fld>
             <a:endParaRPr lang="en-US" dirty="0"/>
           </a:p>
@@ -1780,7 +1782,7 @@
                 <a:ea typeface="Lingoes Unicode" pitchFamily="34" charset="-122"/>
               </a:rPr>
               <a:pPr algn="ctr"/>
-              <a:t>3/24/2021</a:t>
+              <a:t>3/27/2021</a:t>
             </a:fld>
             <a:endParaRPr kumimoji="0" lang="en-US" altLang="zh-CN" sz="1350" dirty="0">
               <a:solidFill>
@@ -2826,7 +2828,7 @@
           <a:p>
             <a:fld id="{3CA22FB3-BB94-4B4C-B631-92D540F38D12}" type="datetimeFigureOut">
               <a:rPr lang="zh-CN" altLang="en-US" smtClean="0"/>
-              <a:t>2021/3/24</a:t>
+              <a:t>2021/3/27</a:t>
             </a:fld>
             <a:endParaRPr lang="zh-CN" altLang="en-US"/>
           </a:p>
@@ -2986,7 +2988,7 @@
           <a:p>
             <a:fld id="{3CA22FB3-BB94-4B4C-B631-92D540F38D12}" type="datetimeFigureOut">
               <a:rPr lang="zh-CN" altLang="en-US" smtClean="0"/>
-              <a:t>2021/3/24</a:t>
+              <a:t>2021/3/27</a:t>
             </a:fld>
             <a:endParaRPr lang="zh-CN" altLang="en-US"/>
           </a:p>
@@ -3528,7 +3530,7 @@
           <a:p>
             <a:fld id="{3CA22FB3-BB94-4B4C-B631-92D540F38D12}" type="datetimeFigureOut">
               <a:rPr lang="zh-CN" altLang="en-US" smtClean="0"/>
-              <a:t>2021/3/24</a:t>
+              <a:t>2021/3/27</a:t>
             </a:fld>
             <a:endParaRPr lang="zh-CN" altLang="en-US"/>
           </a:p>
@@ -5568,38 +5570,6 @@
           </a:p>
         </p:txBody>
       </p:sp>
-      <p:pic>
-        <p:nvPicPr>
-          <p:cNvPr id="12" name="内容占位符 11">
-            <a:extLst>
-              <a:ext uri="{FF2B5EF4-FFF2-40B4-BE49-F238E27FC236}">
-                <a16:creationId xmlns:a16="http://schemas.microsoft.com/office/drawing/2014/main" id="{4C7C355C-D13B-4FE3-A0F1-62DDB31A6F82}"/>
-              </a:ext>
-            </a:extLst>
-          </p:cNvPr>
-          <p:cNvPicPr>
-            <a:picLocks noGrp="1" noChangeAspect="1"/>
-          </p:cNvPicPr>
-          <p:nvPr>
-            <p:ph sz="quarter" idx="1"/>
-          </p:nvPr>
-        </p:nvPicPr>
-        <p:blipFill>
-          <a:blip r:embed="rId2"/>
-          <a:stretch>
-            <a:fillRect/>
-          </a:stretch>
-        </p:blipFill>
-        <p:spPr>
-          <a:xfrm>
-            <a:off x="628650" y="1445241"/>
-            <a:ext cx="3886200" cy="1555730"/>
-          </a:xfrm>
-          <a:prstGeom prst="rect">
-            <a:avLst/>
-          </a:prstGeom>
-        </p:spPr>
-      </p:pic>
       <p:sp>
         <p:nvSpPr>
           <p:cNvPr id="14" name="矩形 13">
@@ -5615,7 +5585,7 @@
         <p:spPr>
           <a:xfrm>
             <a:off x="628650" y="3178196"/>
-            <a:ext cx="3757189" cy="559961"/>
+            <a:ext cx="3757189" cy="1077218"/>
           </a:xfrm>
           <a:prstGeom prst="rect">
             <a:avLst/>
@@ -5628,31 +5598,99 @@
           <a:lstStyle/>
           <a:p>
             <a:r>
-              <a:rPr lang="en-US" altLang="zh-CN" sz="1013" dirty="0">
+              <a:rPr lang="en-US" altLang="zh-CN" sz="1600" dirty="0">
                 <a:solidFill>
                   <a:srgbClr val="000000"/>
                 </a:solidFill>
-                <a:latin typeface="NimbusRomNo9L-Regu"/>
               </a:rPr>
               <a:t>YCSB performance when increasing terminal numbers, deadlock detection(d) and deadlock prevention(p) approach.</a:t>
             </a:r>
             <a:r>
-              <a:rPr lang="en-US" altLang="zh-CN" sz="1013" dirty="0"/>
+              <a:rPr lang="en-US" altLang="zh-CN" sz="1600" dirty="0"/>
               <a:t> </a:t>
             </a:r>
             <a:br>
-              <a:rPr lang="en-US" altLang="zh-CN" sz="1013" dirty="0"/>
+              <a:rPr lang="en-US" altLang="zh-CN" sz="1600" dirty="0"/>
             </a:br>
-            <a:endParaRPr lang="zh-CN" altLang="en-US" sz="1013" dirty="0"/>
+            <a:endParaRPr lang="zh-CN" altLang="en-US" sz="1600" dirty="0"/>
+          </a:p>
+        </p:txBody>
+      </p:sp>
+      <p:sp>
+        <p:nvSpPr>
+          <p:cNvPr id="20" name="矩形 19">
+            <a:extLst>
+              <a:ext uri="{FF2B5EF4-FFF2-40B4-BE49-F238E27FC236}">
+                <a16:creationId xmlns:a16="http://schemas.microsoft.com/office/drawing/2014/main" id="{809DCEB2-ECB8-494B-BE27-A1EF3683C191}"/>
+              </a:ext>
+            </a:extLst>
+          </p:cNvPr>
+          <p:cNvSpPr/>
+          <p:nvPr/>
+        </p:nvSpPr>
+        <p:spPr>
+          <a:xfrm>
+            <a:off x="4771741" y="3209967"/>
+            <a:ext cx="3743609" cy="584775"/>
+          </a:xfrm>
+          <a:prstGeom prst="rect">
+            <a:avLst/>
+          </a:prstGeom>
+        </p:spPr>
+        <p:txBody>
+          <a:bodyPr wrap="square">
+            <a:spAutoFit/>
+          </a:bodyPr>
+          <a:lstStyle/>
+          <a:p>
+            <a:r>
+              <a:rPr lang="en-US" altLang="zh-CN" sz="1600" dirty="0">
+                <a:solidFill>
+                  <a:srgbClr val="000000"/>
+                </a:solidFill>
+              </a:rPr>
+              <a:t>YCSB workload performance, impact of replication latency  </a:t>
+            </a:r>
+            <a:endParaRPr lang="zh-CN" altLang="en-US" sz="1600" dirty="0"/>
           </a:p>
         </p:txBody>
       </p:sp>
       <p:pic>
         <p:nvPicPr>
-          <p:cNvPr id="19" name="内容占位符 4">
+          <p:cNvPr id="5" name="图片 4">
             <a:extLst>
               <a:ext uri="{FF2B5EF4-FFF2-40B4-BE49-F238E27FC236}">
-                <a16:creationId xmlns:a16="http://schemas.microsoft.com/office/drawing/2014/main" id="{972ECF2D-7324-4F57-A705-E13A82D7709A}"/>
+                <a16:creationId xmlns:a16="http://schemas.microsoft.com/office/drawing/2014/main" id="{EEC713B3-9B86-4491-B15C-1130F1DE1067}"/>
+              </a:ext>
+            </a:extLst>
+          </p:cNvPr>
+          <p:cNvPicPr>
+            <a:picLocks noChangeAspect="1"/>
+          </p:cNvPicPr>
+          <p:nvPr/>
+        </p:nvPicPr>
+        <p:blipFill>
+          <a:blip r:embed="rId2"/>
+          <a:stretch>
+            <a:fillRect/>
+          </a:stretch>
+        </p:blipFill>
+        <p:spPr>
+          <a:xfrm>
+            <a:off x="564144" y="1470166"/>
+            <a:ext cx="3886200" cy="1566665"/>
+          </a:xfrm>
+          <a:prstGeom prst="rect">
+            <a:avLst/>
+          </a:prstGeom>
+        </p:spPr>
+      </p:pic>
+      <p:pic>
+        <p:nvPicPr>
+          <p:cNvPr id="6" name="图片 5">
+            <a:extLst>
+              <a:ext uri="{FF2B5EF4-FFF2-40B4-BE49-F238E27FC236}">
+                <a16:creationId xmlns:a16="http://schemas.microsoft.com/office/drawing/2014/main" id="{3A38FE41-2659-48B9-9430-8F431C0A1A33}"/>
               </a:ext>
             </a:extLst>
           </p:cNvPr>
@@ -5669,54 +5707,14 @@
         </p:blipFill>
         <p:spPr>
           <a:xfrm>
-            <a:off x="4610486" y="1470166"/>
-            <a:ext cx="3886200" cy="1581369"/>
+            <a:off x="4450344" y="1470167"/>
+            <a:ext cx="4065006" cy="1482584"/>
           </a:xfrm>
           <a:prstGeom prst="rect">
             <a:avLst/>
           </a:prstGeom>
         </p:spPr>
       </p:pic>
-      <p:sp>
-        <p:nvSpPr>
-          <p:cNvPr id="20" name="矩形 19">
-            <a:extLst>
-              <a:ext uri="{FF2B5EF4-FFF2-40B4-BE49-F238E27FC236}">
-                <a16:creationId xmlns:a16="http://schemas.microsoft.com/office/drawing/2014/main" id="{809DCEB2-ECB8-494B-BE27-A1EF3683C191}"/>
-              </a:ext>
-            </a:extLst>
-          </p:cNvPr>
-          <p:cNvSpPr/>
-          <p:nvPr/>
-        </p:nvSpPr>
-        <p:spPr>
-          <a:xfrm>
-            <a:off x="4771741" y="3209967"/>
-            <a:ext cx="3743609" cy="248209"/>
-          </a:xfrm>
-          <a:prstGeom prst="rect">
-            <a:avLst/>
-          </a:prstGeom>
-        </p:spPr>
-        <p:txBody>
-          <a:bodyPr wrap="square">
-            <a:spAutoFit/>
-          </a:bodyPr>
-          <a:lstStyle/>
-          <a:p>
-            <a:r>
-              <a:rPr lang="en-US" altLang="zh-CN" sz="1013" dirty="0">
-                <a:solidFill>
-                  <a:srgbClr val="000000"/>
-                </a:solidFill>
-                <a:latin typeface="NimbusRomNo9L-Regu"/>
-              </a:rPr>
-              <a:t>YCSB workload performance, impact of replication latency  </a:t>
-            </a:r>
-            <a:endParaRPr lang="zh-CN" altLang="en-US" sz="1013" dirty="0"/>
-          </a:p>
-        </p:txBody>
-      </p:sp>
     </p:spTree>
     <p:extLst>
       <p:ext uri="{BB962C8B-B14F-4D97-AF65-F5344CB8AC3E}">
@@ -5778,38 +5776,6 @@
           </a:p>
         </p:txBody>
       </p:sp>
-      <p:pic>
-        <p:nvPicPr>
-          <p:cNvPr id="6" name="内容占位符 5">
-            <a:extLst>
-              <a:ext uri="{FF2B5EF4-FFF2-40B4-BE49-F238E27FC236}">
-                <a16:creationId xmlns:a16="http://schemas.microsoft.com/office/drawing/2014/main" id="{C66D1789-14EA-40D2-A186-62A019895556}"/>
-              </a:ext>
-            </a:extLst>
-          </p:cNvPr>
-          <p:cNvPicPr>
-            <a:picLocks noGrp="1" noChangeAspect="1"/>
-          </p:cNvPicPr>
-          <p:nvPr>
-            <p:ph sz="quarter" idx="2"/>
-          </p:nvPr>
-        </p:nvPicPr>
-        <p:blipFill>
-          <a:blip r:embed="rId2"/>
-          <a:stretch>
-            <a:fillRect/>
-          </a:stretch>
-        </p:blipFill>
-        <p:spPr>
-          <a:xfrm>
-            <a:off x="4572000" y="1480518"/>
-            <a:ext cx="3886200" cy="1571017"/>
-          </a:xfrm>
-          <a:prstGeom prst="rect">
-            <a:avLst/>
-          </a:prstGeom>
-        </p:spPr>
-      </p:pic>
       <p:sp>
         <p:nvSpPr>
           <p:cNvPr id="7" name="矩形 6">
@@ -5824,8 +5790,8 @@
         </p:nvSpPr>
         <p:spPr>
           <a:xfrm>
-            <a:off x="4714591" y="3164559"/>
-            <a:ext cx="3743609" cy="248209"/>
+            <a:off x="4773823" y="3426169"/>
+            <a:ext cx="3743609" cy="523220"/>
           </a:xfrm>
           <a:prstGeom prst="rect">
             <a:avLst/>
@@ -5838,42 +5804,115 @@
           <a:lstStyle/>
           <a:p>
             <a:r>
-              <a:rPr lang="en-US" altLang="zh-CN" sz="1013" dirty="0">
+              <a:rPr lang="en-US" altLang="zh-CN" sz="1400" dirty="0">
                 <a:solidFill>
                   <a:srgbClr val="000000"/>
                 </a:solidFill>
-                <a:latin typeface="NimbusRomNo9L-Regu"/>
               </a:rPr>
               <a:t>TPC-C </a:t>
             </a:r>
             <a:r>
-              <a:rPr lang="en-US" altLang="zh-CN" sz="1013" dirty="0" err="1">
+              <a:rPr lang="en-US" altLang="zh-CN" sz="1400" dirty="0" err="1">
                 <a:solidFill>
                   <a:srgbClr val="000000"/>
                 </a:solidFill>
-                <a:latin typeface="NimbusRomNo9L-Regu"/>
               </a:rPr>
               <a:t>NewOrder</a:t>
             </a:r>
             <a:r>
-              <a:rPr lang="en-US" altLang="zh-CN" sz="1013" dirty="0">
+              <a:rPr lang="en-US" altLang="zh-CN" sz="1400" dirty="0">
                 <a:solidFill>
                   <a:srgbClr val="000000"/>
                 </a:solidFill>
-                <a:latin typeface="NimbusRomNo9L-Regu"/>
               </a:rPr>
               <a:t> performance when increasing terminal numbers</a:t>
             </a:r>
-            <a:endParaRPr lang="zh-CN" altLang="en-US" sz="1013" dirty="0"/>
+            <a:endParaRPr lang="zh-CN" altLang="en-US" sz="1400" dirty="0"/>
+          </a:p>
+        </p:txBody>
+      </p:sp>
+      <p:sp>
+        <p:nvSpPr>
+          <p:cNvPr id="10" name="矩形 9">
+            <a:extLst>
+              <a:ext uri="{FF2B5EF4-FFF2-40B4-BE49-F238E27FC236}">
+                <a16:creationId xmlns:a16="http://schemas.microsoft.com/office/drawing/2014/main" id="{16F2231D-8237-4074-8EF5-187FD9899338}"/>
+              </a:ext>
+            </a:extLst>
+          </p:cNvPr>
+          <p:cNvSpPr/>
+          <p:nvPr/>
+        </p:nvSpPr>
+        <p:spPr>
+          <a:xfrm>
+            <a:off x="825940" y="3426169"/>
+            <a:ext cx="3757187" cy="523220"/>
+          </a:xfrm>
+          <a:prstGeom prst="rect">
+            <a:avLst/>
+          </a:prstGeom>
+        </p:spPr>
+        <p:txBody>
+          <a:bodyPr wrap="square">
+            <a:spAutoFit/>
+          </a:bodyPr>
+          <a:lstStyle/>
+          <a:p>
+            <a:r>
+              <a:rPr lang="en-US" altLang="zh-CN" sz="1400" dirty="0">
+                <a:solidFill>
+                  <a:srgbClr val="000000"/>
+                </a:solidFill>
+              </a:rPr>
+              <a:t>TPC-C workload, impact of contention(Hot Spot)</a:t>
+            </a:r>
+            <a:r>
+              <a:rPr lang="en-US" altLang="zh-CN" sz="1400" dirty="0"/>
+              <a:t> </a:t>
+            </a:r>
+            <a:br>
+              <a:rPr lang="en-US" altLang="zh-CN" sz="1400" dirty="0"/>
+            </a:br>
+            <a:endParaRPr lang="zh-CN" altLang="en-US" sz="1400" dirty="0"/>
           </a:p>
         </p:txBody>
       </p:sp>
       <p:pic>
         <p:nvPicPr>
-          <p:cNvPr id="9" name="内容占位符 14">
+          <p:cNvPr id="5" name="图片 4">
             <a:extLst>
               <a:ext uri="{FF2B5EF4-FFF2-40B4-BE49-F238E27FC236}">
-                <a16:creationId xmlns:a16="http://schemas.microsoft.com/office/drawing/2014/main" id="{19A35FE1-CEF6-4FD2-A028-67680F5B840D}"/>
+                <a16:creationId xmlns:a16="http://schemas.microsoft.com/office/drawing/2014/main" id="{DB61CB7C-5ADA-48F8-8431-42EA7C5FF63C}"/>
+              </a:ext>
+            </a:extLst>
+          </p:cNvPr>
+          <p:cNvPicPr>
+            <a:picLocks noChangeAspect="1"/>
+          </p:cNvPicPr>
+          <p:nvPr/>
+        </p:nvPicPr>
+        <p:blipFill>
+          <a:blip r:embed="rId2"/>
+          <a:stretch>
+            <a:fillRect/>
+          </a:stretch>
+        </p:blipFill>
+        <p:spPr>
+          <a:xfrm>
+            <a:off x="4773823" y="1524254"/>
+            <a:ext cx="4020958" cy="1630118"/>
+          </a:xfrm>
+          <a:prstGeom prst="rect">
+            <a:avLst/>
+          </a:prstGeom>
+        </p:spPr>
+      </p:pic>
+      <p:pic>
+        <p:nvPicPr>
+          <p:cNvPr id="8" name="图片 7">
+            <a:extLst>
+              <a:ext uri="{FF2B5EF4-FFF2-40B4-BE49-F238E27FC236}">
+                <a16:creationId xmlns:a16="http://schemas.microsoft.com/office/drawing/2014/main" id="{EE10D863-F85F-4C0B-989A-C4D8B1417B8A}"/>
               </a:ext>
             </a:extLst>
           </p:cNvPr>
@@ -5890,61 +5929,14 @@
         </p:blipFill>
         <p:spPr>
           <a:xfrm>
-            <a:off x="626954" y="1421418"/>
-            <a:ext cx="3886200" cy="1630117"/>
+            <a:off x="609600" y="1524254"/>
+            <a:ext cx="4015768" cy="1630118"/>
           </a:xfrm>
           <a:prstGeom prst="rect">
             <a:avLst/>
           </a:prstGeom>
         </p:spPr>
       </p:pic>
-      <p:sp>
-        <p:nvSpPr>
-          <p:cNvPr id="10" name="矩形 9">
-            <a:extLst>
-              <a:ext uri="{FF2B5EF4-FFF2-40B4-BE49-F238E27FC236}">
-                <a16:creationId xmlns:a16="http://schemas.microsoft.com/office/drawing/2014/main" id="{16F2231D-8237-4074-8EF5-187FD9899338}"/>
-              </a:ext>
-            </a:extLst>
-          </p:cNvPr>
-          <p:cNvSpPr/>
-          <p:nvPr/>
-        </p:nvSpPr>
-        <p:spPr>
-          <a:xfrm>
-            <a:off x="813118" y="3154372"/>
-            <a:ext cx="3757187" cy="404085"/>
-          </a:xfrm>
-          <a:prstGeom prst="rect">
-            <a:avLst/>
-          </a:prstGeom>
-        </p:spPr>
-        <p:txBody>
-          <a:bodyPr wrap="square">
-            <a:spAutoFit/>
-          </a:bodyPr>
-          <a:lstStyle/>
-          <a:p>
-            <a:r>
-              <a:rPr lang="en-US" altLang="zh-CN" sz="1013" dirty="0">
-                <a:solidFill>
-                  <a:srgbClr val="000000"/>
-                </a:solidFill>
-                <a:latin typeface="NimbusRomNo9L-Regu"/>
-              </a:rPr>
-              <a:t>TPC-C workload, impact of contention(Hot Spot)</a:t>
-            </a:r>
-            <a:r>
-              <a:rPr lang="en-US" altLang="zh-CN" sz="1013" dirty="0"/>
-              <a:t> </a:t>
-            </a:r>
-            <a:br>
-              <a:rPr lang="en-US" altLang="zh-CN" sz="1013" dirty="0"/>
-            </a:br>
-            <a:endParaRPr lang="zh-CN" altLang="en-US" sz="1013" dirty="0"/>
-          </a:p>
-        </p:txBody>
-      </p:sp>
     </p:spTree>
     <p:extLst>
       <p:ext uri="{BB962C8B-B14F-4D97-AF65-F5344CB8AC3E}">
@@ -5980,6 +5972,184 @@
           <p:cNvPr id="2" name="标题 1">
             <a:extLst>
               <a:ext uri="{FF2B5EF4-FFF2-40B4-BE49-F238E27FC236}">
+                <a16:creationId xmlns:a16="http://schemas.microsoft.com/office/drawing/2014/main" id="{641DEDC8-AB08-4A0E-AFEA-2EE6A5801B43}"/>
+              </a:ext>
+            </a:extLst>
+          </p:cNvPr>
+          <p:cNvSpPr>
+            <a:spLocks noGrp="1"/>
+          </p:cNvSpPr>
+          <p:nvPr>
+            <p:ph type="title"/>
+          </p:nvPr>
+        </p:nvSpPr>
+        <p:spPr/>
+        <p:txBody>
+          <a:bodyPr/>
+          <a:lstStyle/>
+          <a:p>
+            <a:r>
+              <a:rPr lang="en-US" altLang="zh-CN" dirty="0"/>
+              <a:t>Evaluation, Cascade Abort</a:t>
+            </a:r>
+            <a:endParaRPr lang="zh-CN" altLang="en-US" dirty="0"/>
+          </a:p>
+        </p:txBody>
+      </p:sp>
+      <p:pic>
+        <p:nvPicPr>
+          <p:cNvPr id="19" name="图片 18">
+            <a:extLst>
+              <a:ext uri="{FF2B5EF4-FFF2-40B4-BE49-F238E27FC236}">
+                <a16:creationId xmlns:a16="http://schemas.microsoft.com/office/drawing/2014/main" id="{83572935-66AF-4A38-9BAB-E129E5CB67B1}"/>
+              </a:ext>
+            </a:extLst>
+          </p:cNvPr>
+          <p:cNvPicPr>
+            <a:picLocks noChangeAspect="1"/>
+          </p:cNvPicPr>
+          <p:nvPr/>
+        </p:nvPicPr>
+        <p:blipFill>
+          <a:blip r:embed="rId2"/>
+          <a:stretch>
+            <a:fillRect/>
+          </a:stretch>
+        </p:blipFill>
+        <p:spPr>
+          <a:xfrm>
+            <a:off x="723900" y="1260246"/>
+            <a:ext cx="7934325" cy="3510389"/>
+          </a:xfrm>
+          <a:prstGeom prst="rect">
+            <a:avLst/>
+          </a:prstGeom>
+        </p:spPr>
+      </p:pic>
+    </p:spTree>
+    <p:extLst>
+      <p:ext uri="{BB962C8B-B14F-4D97-AF65-F5344CB8AC3E}">
+        <p14:creationId xmlns:p14="http://schemas.microsoft.com/office/powerpoint/2010/main" val="2284673590"/>
+      </p:ext>
+    </p:extLst>
+  </p:cSld>
+  <p:clrMapOvr>
+    <a:masterClrMapping/>
+  </p:clrMapOvr>
+</p:sld>
+</file>
+
+<file path=ppt/slides/slide15.xml><?xml version="1.0" encoding="utf-8"?>
+<p:sld xmlns:a="http://schemas.openxmlformats.org/drawingml/2006/main" xmlns:r="http://schemas.openxmlformats.org/officeDocument/2006/relationships" xmlns:p="http://schemas.openxmlformats.org/presentationml/2006/main">
+  <p:cSld>
+    <p:spTree>
+      <p:nvGrpSpPr>
+        <p:cNvPr id="1" name=""/>
+        <p:cNvGrpSpPr/>
+        <p:nvPr/>
+      </p:nvGrpSpPr>
+      <p:grpSpPr>
+        <a:xfrm>
+          <a:off x="0" y="0"/>
+          <a:ext cx="0" cy="0"/>
+          <a:chOff x="0" y="0"/>
+          <a:chExt cx="0" cy="0"/>
+        </a:xfrm>
+      </p:grpSpPr>
+      <p:sp>
+        <p:nvSpPr>
+          <p:cNvPr id="2" name="标题 1">
+            <a:extLst>
+              <a:ext uri="{FF2B5EF4-FFF2-40B4-BE49-F238E27FC236}">
+                <a16:creationId xmlns:a16="http://schemas.microsoft.com/office/drawing/2014/main" id="{E190F525-BDE5-4BAF-85FC-C8D345EAF30B}"/>
+              </a:ext>
+            </a:extLst>
+          </p:cNvPr>
+          <p:cNvSpPr>
+            <a:spLocks noGrp="1"/>
+          </p:cNvSpPr>
+          <p:nvPr>
+            <p:ph type="title"/>
+          </p:nvPr>
+        </p:nvSpPr>
+        <p:spPr/>
+        <p:txBody>
+          <a:bodyPr/>
+          <a:lstStyle/>
+          <a:p>
+            <a:r>
+              <a:rPr lang="en-US" altLang="zh-CN" dirty="0"/>
+              <a:t>Evaluation, Transaction Latency</a:t>
+            </a:r>
+            <a:endParaRPr lang="zh-CN" altLang="en-US" dirty="0"/>
+          </a:p>
+        </p:txBody>
+      </p:sp>
+      <p:pic>
+        <p:nvPicPr>
+          <p:cNvPr id="7" name="图片 6">
+            <a:extLst>
+              <a:ext uri="{FF2B5EF4-FFF2-40B4-BE49-F238E27FC236}">
+                <a16:creationId xmlns:a16="http://schemas.microsoft.com/office/drawing/2014/main" id="{CAD6FD08-9BAD-4B22-8F68-3CE964987200}"/>
+              </a:ext>
+            </a:extLst>
+          </p:cNvPr>
+          <p:cNvPicPr>
+            <a:picLocks noChangeAspect="1"/>
+          </p:cNvPicPr>
+          <p:nvPr/>
+        </p:nvPicPr>
+        <p:blipFill>
+          <a:blip r:embed="rId2"/>
+          <a:stretch>
+            <a:fillRect/>
+          </a:stretch>
+        </p:blipFill>
+        <p:spPr>
+          <a:xfrm>
+            <a:off x="592448" y="1247774"/>
+            <a:ext cx="8094660" cy="3314701"/>
+          </a:xfrm>
+          <a:prstGeom prst="rect">
+            <a:avLst/>
+          </a:prstGeom>
+        </p:spPr>
+      </p:pic>
+    </p:spTree>
+    <p:extLst>
+      <p:ext uri="{BB962C8B-B14F-4D97-AF65-F5344CB8AC3E}">
+        <p14:creationId xmlns:p14="http://schemas.microsoft.com/office/powerpoint/2010/main" val="3016404797"/>
+      </p:ext>
+    </p:extLst>
+  </p:cSld>
+  <p:clrMapOvr>
+    <a:masterClrMapping/>
+  </p:clrMapOvr>
+</p:sld>
+</file>
+
+<file path=ppt/slides/slide16.xml><?xml version="1.0" encoding="utf-8"?>
+<p:sld xmlns:a="http://schemas.openxmlformats.org/drawingml/2006/main" xmlns:r="http://schemas.openxmlformats.org/officeDocument/2006/relationships" xmlns:p="http://schemas.openxmlformats.org/presentationml/2006/main">
+  <p:cSld>
+    <p:spTree>
+      <p:nvGrpSpPr>
+        <p:cNvPr id="1" name=""/>
+        <p:cNvGrpSpPr/>
+        <p:nvPr/>
+      </p:nvGrpSpPr>
+      <p:grpSpPr>
+        <a:xfrm>
+          <a:off x="0" y="0"/>
+          <a:ext cx="0" cy="0"/>
+          <a:chOff x="0" y="0"/>
+          <a:chExt cx="0" cy="0"/>
+        </a:xfrm>
+      </p:grpSpPr>
+      <p:sp>
+        <p:nvSpPr>
+          <p:cNvPr id="2" name="标题 1">
+            <a:extLst>
+              <a:ext uri="{FF2B5EF4-FFF2-40B4-BE49-F238E27FC236}">
                 <a16:creationId xmlns:a16="http://schemas.microsoft.com/office/drawing/2014/main" id="{8DC939DE-CD82-4AD1-81D7-E94E8468B15A}"/>
               </a:ext>
             </a:extLst>
@@ -6070,7 +6240,7 @@
 </p:sld>
 </file>
 
-<file path=ppt/slides/slide15.xml><?xml version="1.0" encoding="utf-8"?>
+<file path=ppt/slides/slide17.xml><?xml version="1.0" encoding="utf-8"?>
 <p:sld xmlns:a="http://schemas.openxmlformats.org/drawingml/2006/main" xmlns:r="http://schemas.openxmlformats.org/officeDocument/2006/relationships" xmlns:p="http://schemas.openxmlformats.org/presentationml/2006/main">
   <p:cSld>
     <p:spTree>
